--- a/Thoughts on R for regional leads.pptx
+++ b/Thoughts on R for regional leads.pptx
@@ -23632,7 +23632,7 @@
         </p:spPr>
         <p:txBody>
           <a:bodyPr>
-            <a:normAutofit fontScale="85000" lnSpcReduction="20000"/>
+            <a:normAutofit fontScale="77500" lnSpcReduction="20000"/>
           </a:bodyPr>
           <a:lstStyle/>
           <a:p>
@@ -23697,6 +23697,21 @@
             <a:r>
               <a:rPr lang="en-GB" dirty="0" err="1"/>
               <a:t>etc</a:t>
+            </a:r>
+            <a:endParaRPr lang="en-GB" dirty="0"/>
+          </a:p>
+          <a:p>
+            <a:pPr marL="342900" indent="-342900">
+              <a:buFont typeface="Arial" panose="020B0604020202020204" pitchFamily="34" charset="0"/>
+              <a:buChar char="•"/>
+            </a:pPr>
+            <a:r>
+              <a:rPr lang="en-GB" dirty="0"/>
+              <a:t>Strong in social sciences / epidemiology </a:t>
+            </a:r>
+            <a:r>
+              <a:rPr lang="en-GB"/>
+              <a:t>/ research</a:t>
             </a:r>
             <a:endParaRPr lang="en-GB" dirty="0"/>
           </a:p>
@@ -23747,12 +23762,59 @@
         </p:blipFill>
         <p:spPr>
           <a:xfrm>
-            <a:off x="5922628" y="874674"/>
+            <a:off x="5903842" y="444257"/>
             <a:ext cx="5996944" cy="5568592"/>
           </a:xfrm>
           <a:prstGeom prst="rect">
             <a:avLst/>
           </a:prstGeom>
+        </p:spPr>
+      </p:pic>
+      <p:pic>
+        <p:nvPicPr>
+          <p:cNvPr id="1026" name="Picture 2">
+            <a:extLst>
+              <a:ext uri="{FF2B5EF4-FFF2-40B4-BE49-F238E27FC236}">
+                <a16:creationId xmlns:a16="http://schemas.microsoft.com/office/drawing/2014/main" id="{7939A6EC-7933-2398-9C23-D6CD11FF21EC}"/>
+              </a:ext>
+            </a:extLst>
+          </p:cNvPr>
+          <p:cNvPicPr>
+            <a:picLocks noChangeAspect="1" noChangeArrowheads="1"/>
+          </p:cNvPicPr>
+          <p:nvPr/>
+        </p:nvPicPr>
+        <p:blipFill>
+          <a:blip r:embed="rId4">
+            <a:extLst>
+              <a:ext uri="{28A0092B-C50C-407E-A947-70E740481C1C}">
+                <a14:useLocalDpi xmlns:a14="http://schemas.microsoft.com/office/drawing/2010/main" val="0"/>
+              </a:ext>
+            </a:extLst>
+          </a:blip>
+          <a:srcRect/>
+          <a:stretch>
+            <a:fillRect/>
+          </a:stretch>
+        </p:blipFill>
+        <p:spPr bwMode="auto">
+          <a:xfrm>
+            <a:off x="7811596" y="4632249"/>
+            <a:ext cx="3967696" cy="2213815"/>
+          </a:xfrm>
+          <a:prstGeom prst="rect">
+            <a:avLst/>
+          </a:prstGeom>
+          <a:noFill/>
+          <a:extLst>
+            <a:ext uri="{909E8E84-426E-40DD-AFC4-6F175D3DCCD1}">
+              <a14:hiddenFill xmlns:a14="http://schemas.microsoft.com/office/drawing/2010/main">
+                <a:solidFill>
+                  <a:srgbClr val="FFFFFF"/>
+                </a:solidFill>
+              </a14:hiddenFill>
+            </a:ext>
+          </a:extLst>
         </p:spPr>
       </p:pic>
     </p:spTree>
@@ -23843,7 +23905,9 @@
         </p:nvSpPr>
         <p:spPr/>
         <p:txBody>
-          <a:bodyPr/>
+          <a:bodyPr>
+            <a:normAutofit fontScale="92500" lnSpcReduction="10000"/>
+          </a:bodyPr>
           <a:lstStyle/>
           <a:p>
             <a:pPr marL="342900" indent="-342900">
@@ -23852,7 +23916,15 @@
             </a:pPr>
             <a:r>
               <a:rPr lang="en-GB" dirty="0"/>
-              <a:t>NHS R community; Global influence, Slack</a:t>
+              <a:t>NHS R community; Global influence, Slack, Collaboration and sharing via </a:t>
+            </a:r>
+            <a:r>
+              <a:rPr lang="en-GB" dirty="0" err="1"/>
+              <a:t>github</a:t>
+            </a:r>
+            <a:r>
+              <a:rPr lang="en-GB" dirty="0"/>
+              <a:t> sites / books, R-Ladies</a:t>
             </a:r>
           </a:p>
           <a:p>
@@ -23918,6 +23990,16 @@
             <a:r>
               <a:rPr lang="en-GB" dirty="0"/>
               <a:t>Often taught through university data science / biostatistics / maths courses (alongside Python/SPSS)</a:t>
+            </a:r>
+          </a:p>
+          <a:p>
+            <a:pPr marL="342900" indent="-342900">
+              <a:buFont typeface="Arial" panose="020B0604020202020204" pitchFamily="34" charset="0"/>
+              <a:buChar char="•"/>
+            </a:pPr>
+            <a:r>
+              <a:rPr lang="en-GB" dirty="0"/>
+              <a:t>Extremely inclusive – free for all, no barriers to entry</a:t>
             </a:r>
           </a:p>
           <a:p>
@@ -24290,7 +24372,7 @@
         <p:spPr/>
         <p:txBody>
           <a:bodyPr>
-            <a:normAutofit fontScale="92500" lnSpcReduction="20000"/>
+            <a:normAutofit fontScale="85000" lnSpcReduction="20000"/>
           </a:bodyPr>
           <a:lstStyle/>
           <a:p>
@@ -24300,15 +24382,10 @@
             </a:r>
           </a:p>
           <a:p>
-            <a:endParaRPr lang="en-GB" dirty="0"/>
-          </a:p>
-          <a:p>
-            <a:r>
-              <a:rPr lang="en-GB" dirty="0"/>
-              <a:t>Loops</a:t>
-            </a:r>
-          </a:p>
-          <a:p>
+            <a:pPr marL="342900" indent="-342900">
+              <a:buFont typeface="Arial" panose="020B0604020202020204" pitchFamily="34" charset="0"/>
+              <a:buChar char="•"/>
+            </a:pPr>
             <a:r>
               <a:rPr lang="en-GB" dirty="0"/>
               <a:t>Fewer </a:t>
@@ -24323,31 +24400,74 @@
             </a:r>
           </a:p>
           <a:p>
+            <a:pPr marL="342900" indent="-342900">
+              <a:buFont typeface="Arial" panose="020B0604020202020204" pitchFamily="34" charset="0"/>
+              <a:buChar char="•"/>
+            </a:pPr>
             <a:r>
               <a:rPr lang="en-GB" dirty="0"/>
-              <a:t>Change a line, rerun</a:t>
-            </a:r>
-          </a:p>
-          <a:p>
-            <a:r>
-              <a:rPr lang="en-GB" dirty="0"/>
-              <a:t>Reusing code</a:t>
-            </a:r>
-          </a:p>
-          <a:p>
+              <a:t>Change a line, rerun…</a:t>
+            </a:r>
+          </a:p>
+          <a:p>
+            <a:pPr marL="342900" indent="-342900">
+              <a:buFont typeface="Arial" panose="020B0604020202020204" pitchFamily="34" charset="0"/>
+              <a:buChar char="•"/>
+            </a:pPr>
             <a:r>
               <a:rPr lang="en-GB" dirty="0"/>
               <a:t>Run model for every permutation of ICB &amp; TFC &amp; Provider – far exceed scale and capacity of Excel</a:t>
             </a:r>
           </a:p>
           <a:p>
+            <a:endParaRPr lang="en-GB" dirty="0"/>
+          </a:p>
+          <a:p>
+            <a:r>
+              <a:rPr lang="en-GB" dirty="0" err="1"/>
+              <a:t>Github</a:t>
+            </a:r>
+            <a:r>
+              <a:rPr lang="en-GB" dirty="0"/>
+              <a:t> culture:</a:t>
+            </a:r>
+          </a:p>
+          <a:p>
+            <a:pPr marL="342900" indent="-342900">
+              <a:buFont typeface="Arial" panose="020B0604020202020204" pitchFamily="34" charset="0"/>
+              <a:buChar char="•"/>
+            </a:pPr>
+            <a:r>
+              <a:rPr lang="en-GB" dirty="0"/>
+              <a:t>Reusing code &amp; sharing across NHS England, ICBs, the world!</a:t>
+            </a:r>
+          </a:p>
+          <a:p>
+            <a:pPr marL="342900" indent="-342900">
+              <a:buFont typeface="Arial" panose="020B0604020202020204" pitchFamily="34" charset="0"/>
+              <a:buChar char="•"/>
+            </a:pPr>
+            <a:r>
+              <a:rPr lang="en-GB" dirty="0"/>
+              <a:t>Easy of version control (from using </a:t>
+            </a:r>
+            <a:r>
+              <a:rPr lang="en-GB" dirty="0" err="1"/>
+              <a:t>github</a:t>
+            </a:r>
+            <a:r>
+              <a:rPr lang="en-GB" dirty="0"/>
+              <a:t> etc)</a:t>
+            </a:r>
+          </a:p>
+          <a:p>
+            <a:endParaRPr lang="en-GB" dirty="0"/>
+          </a:p>
+          <a:p>
             <a:r>
               <a:rPr lang="en-GB" dirty="0"/>
               <a:t>Best practice – Government &amp; Goldacre review</a:t>
             </a:r>
-          </a:p>
-          <a:p>
-            <a:endParaRPr lang="en-GB" dirty="0"/>
           </a:p>
           <a:p>
             <a:r>
@@ -24569,12 +24689,8 @@
               <a:buChar char="•"/>
             </a:pPr>
             <a:r>
-              <a:rPr lang="en-GB" dirty="0" err="1"/>
-              <a:t>Rstudio</a:t>
-            </a:r>
-            <a:r>
               <a:rPr lang="en-GB" dirty="0"/>
-              <a:t> install</a:t>
+              <a:t>RStudio install</a:t>
             </a:r>
           </a:p>
           <a:p>
@@ -24984,7 +25100,9 @@
           </a:xfrm>
         </p:spPr>
         <p:txBody>
-          <a:bodyPr/>
+          <a:bodyPr>
+            <a:normAutofit lnSpcReduction="10000"/>
+          </a:bodyPr>
           <a:lstStyle/>
           <a:p>
             <a:pPr marL="342900" indent="-342900">
@@ -24993,7 +25111,31 @@
             </a:pPr>
             <a:r>
               <a:rPr lang="en-GB" dirty="0"/>
-              <a:t>Get them involved with communities like NHS R, Coffee &amp; Code (300+ users in NHS England)</a:t>
+              <a:t>Encourage team to </a:t>
+            </a:r>
+            <a:r>
+              <a:rPr lang="en-GB" b="1" i="1" dirty="0"/>
+              <a:t>have a go.</a:t>
+            </a:r>
+            <a:r>
+              <a:rPr lang="en-GB" i="1" dirty="0"/>
+              <a:t> </a:t>
+            </a:r>
+            <a:r>
+              <a:rPr lang="en-GB" dirty="0"/>
+              <a:t> Most people learned through </a:t>
+            </a:r>
+            <a:r>
+              <a:rPr lang="en-GB" b="1" u="sng" dirty="0"/>
+              <a:t>doing</a:t>
+            </a:r>
+            <a:r>
+              <a:rPr lang="en-GB" b="1" dirty="0"/>
+              <a:t>. </a:t>
+            </a:r>
+            <a:r>
+              <a:rPr lang="en-GB" dirty="0"/>
+              <a:t>Takes effort to overcome Excel / GUI at first. Start small.</a:t>
             </a:r>
           </a:p>
           <a:p>
@@ -25003,13 +25145,8 @@
             </a:pPr>
             <a:r>
               <a:rPr lang="en-GB" dirty="0"/>
-              <a:t>Get them experimenting with </a:t>
-            </a:r>
-            <a:r>
-              <a:rPr lang="en-GB" dirty="0" err="1"/>
-              <a:t>databricks</a:t>
-            </a:r>
-            <a:endParaRPr lang="en-GB" dirty="0"/>
+              <a:t>Get them involved with communities like NHS R, Coffee &amp; Code (300+ users in NHS England)</a:t>
+            </a:r>
           </a:p>
           <a:p>
             <a:pPr marL="342900" indent="-342900">
@@ -25018,7 +25155,15 @@
             </a:pPr>
             <a:r>
               <a:rPr lang="en-GB" dirty="0"/>
-              <a:t>Encourage more RAP / Code agnostic approaches - Python good too.</a:t>
+              <a:t>Get them experimenting with </a:t>
+            </a:r>
+            <a:r>
+              <a:rPr lang="en-GB" dirty="0" err="1"/>
+              <a:t>databricks</a:t>
+            </a:r>
+            <a:r>
+              <a:rPr lang="en-GB" dirty="0"/>
+              <a:t> / foundry</a:t>
             </a:r>
           </a:p>
           <a:p>
@@ -25028,7 +25173,7 @@
             </a:pPr>
             <a:r>
               <a:rPr lang="en-GB" dirty="0"/>
-              <a:t>Push for clarity and support from data services </a:t>
+              <a:t>Encourage more RAP / Code agnostic approaches - Python good too.</a:t>
             </a:r>
           </a:p>
           <a:p>
@@ -25038,7 +25183,7 @@
             </a:pPr>
             <a:r>
               <a:rPr lang="en-GB" dirty="0"/>
-              <a:t>Encourage customers to embrace outputs from R</a:t>
+              <a:t>Champion R use in conversation with national data platform teams</a:t>
             </a:r>
           </a:p>
           <a:p>
@@ -25048,7 +25193,27 @@
             </a:pPr>
             <a:r>
               <a:rPr lang="en-GB" dirty="0"/>
+              <a:t>Encourage customers to embrace outputs from R</a:t>
+            </a:r>
+          </a:p>
+          <a:p>
+            <a:pPr marL="342900" indent="-342900">
+              <a:buFont typeface="Arial" panose="020B0604020202020204" pitchFamily="34" charset="0"/>
+              <a:buChar char="•"/>
+            </a:pPr>
+            <a:r>
+              <a:rPr lang="en-GB" dirty="0"/>
               <a:t>Support code sharing &amp; public openness</a:t>
+            </a:r>
+          </a:p>
+          <a:p>
+            <a:pPr marL="342900" indent="-342900">
+              <a:buFont typeface="Arial" panose="020B0604020202020204" pitchFamily="34" charset="0"/>
+              <a:buChar char="•"/>
+            </a:pPr>
+            <a:r>
+              <a:rPr lang="en-GB" dirty="0"/>
+              <a:t>Encourage “proper statistics” from your experience</a:t>
             </a:r>
           </a:p>
           <a:p>
